--- a/DSP/Ditte-Powerpoints/dspExamQ4.pptx
+++ b/DSP/Ditte-Powerpoints/dspExamQ4.pptx
@@ -1,25 +1,24 @@
 
 <file path=ppt/presentation.xml><?xml version="1.0" encoding="utf-8"?>
-<p:presentation xmlns:a="http://schemas.openxmlformats.org/drawingml/2006/main" xmlns:r="http://schemas.openxmlformats.org/officeDocument/2006/relationships" xmlns:p="http://schemas.openxmlformats.org/presentationml/2006/main" saveSubsetFonts="1">
+<p:presentation xmlns:a="http://schemas.openxmlformats.org/drawingml/2006/main" xmlns:r="http://schemas.openxmlformats.org/officeDocument/2006/relationships" xmlns:p="http://schemas.openxmlformats.org/presentationml/2006/main" showSpecialPlsOnTitleSld="0" saveSubsetFonts="1">
   <p:sldMasterIdLst>
     <p:sldMasterId id="2147483648" r:id="rId1"/>
   </p:sldMasterIdLst>
   <p:notesMasterIdLst>
-    <p:notesMasterId r:id="rId14"/>
+    <p:notesMasterId r:id="rId13"/>
   </p:notesMasterIdLst>
   <p:sldIdLst>
     <p:sldId id="256" r:id="rId2"/>
     <p:sldId id="257" r:id="rId3"/>
     <p:sldId id="258" r:id="rId4"/>
-    <p:sldId id="267" r:id="rId5"/>
-    <p:sldId id="259" r:id="rId6"/>
-    <p:sldId id="260" r:id="rId7"/>
-    <p:sldId id="261" r:id="rId8"/>
-    <p:sldId id="262" r:id="rId9"/>
+    <p:sldId id="259" r:id="rId5"/>
+    <p:sldId id="260" r:id="rId6"/>
+    <p:sldId id="261" r:id="rId7"/>
+    <p:sldId id="262" r:id="rId8"/>
+    <p:sldId id="267" r:id="rId9"/>
     <p:sldId id="263" r:id="rId10"/>
     <p:sldId id="264" r:id="rId11"/>
     <p:sldId id="265" r:id="rId12"/>
-    <p:sldId id="266" r:id="rId13"/>
   </p:sldIdLst>
   <p:sldSz cx="12192000" cy="6858000"/>
   <p:notesSz cx="6858000" cy="9144000"/>
@@ -118,13 +117,18 @@
       </a:defRPr>
     </a:lvl9pPr>
   </p:defaultTextStyle>
+  <p:extLst>
+    <p:ext uri="{EFAFB233-063F-42B5-8137-9DF3F51BA10A}">
+      <p15:sldGuideLst xmlns:p15="http://schemas.microsoft.com/office/powerpoint/2012/main"/>
+    </p:ext>
+  </p:extLst>
 </p:presentation>
 </file>
 
 <file path=ppt/revisionInfo.xml><?xml version="1.0" encoding="utf-8"?>
 <p1510:revInfo xmlns:a="http://schemas.openxmlformats.org/drawingml/2006/main" xmlns:r="http://schemas.openxmlformats.org/officeDocument/2006/relationships" xmlns:p1510="http://schemas.microsoft.com/office/powerpoint/2015/10/main">
   <p1510:revLst>
-    <p1510:client id="{796F0423-A167-474B-B979-EDD81E695ACF}" v="10" dt="2024-12-27T10:55:07.635"/>
+    <p1510:client id="{8E14694A-BAA4-473D-BF5D-3CB4DDE1DF90}" v="4" dt="2025-01-15T13:43:17.775"/>
   </p1510:revLst>
 </p1510:revInfo>
 </file>
@@ -233,62 +237,6 @@
           <pc:docMk/>
           <pc:sldMk cId="3240605633" sldId="260"/>
         </pc:sldMkLst>
-        <pc:spChg chg="add del">
-          <ac:chgData name="Ditte Filskov Theilgaard" userId="150196ba-3d64-4ece-aa51-395739ba31e6" providerId="ADAL" clId="{796F0423-A167-474B-B979-EDD81E695ACF}" dt="2024-12-27T10:42:59.016" v="164" actId="26606"/>
-          <ac:spMkLst>
-            <pc:docMk/>
-            <pc:sldMk cId="3240605633" sldId="260"/>
-            <ac:spMk id="8" creationId="{F3060C83-F051-4F0E-ABAD-AA0DFC48B218}"/>
-          </ac:spMkLst>
-        </pc:spChg>
-        <pc:spChg chg="add del">
-          <ac:chgData name="Ditte Filskov Theilgaard" userId="150196ba-3d64-4ece-aa51-395739ba31e6" providerId="ADAL" clId="{796F0423-A167-474B-B979-EDD81E695ACF}" dt="2024-12-27T10:42:59.016" v="164" actId="26606"/>
-          <ac:spMkLst>
-            <pc:docMk/>
-            <pc:sldMk cId="3240605633" sldId="260"/>
-            <ac:spMk id="10" creationId="{83C98ABE-055B-441F-B07E-44F97F083C39}"/>
-          </ac:spMkLst>
-        </pc:spChg>
-        <pc:spChg chg="add del">
-          <ac:chgData name="Ditte Filskov Theilgaard" userId="150196ba-3d64-4ece-aa51-395739ba31e6" providerId="ADAL" clId="{796F0423-A167-474B-B979-EDD81E695ACF}" dt="2024-12-27T10:42:59.016" v="164" actId="26606"/>
-          <ac:spMkLst>
-            <pc:docMk/>
-            <pc:sldMk cId="3240605633" sldId="260"/>
-            <ac:spMk id="12" creationId="{29FDB030-9B49-4CED-8CCD-4D99382388AC}"/>
-          </ac:spMkLst>
-        </pc:spChg>
-        <pc:spChg chg="add del">
-          <ac:chgData name="Ditte Filskov Theilgaard" userId="150196ba-3d64-4ece-aa51-395739ba31e6" providerId="ADAL" clId="{796F0423-A167-474B-B979-EDD81E695ACF}" dt="2024-12-27T10:42:59.016" v="164" actId="26606"/>
-          <ac:spMkLst>
-            <pc:docMk/>
-            <pc:sldMk cId="3240605633" sldId="260"/>
-            <ac:spMk id="14" creationId="{3783CA14-24A1-485C-8B30-D6A5D87987AD}"/>
-          </ac:spMkLst>
-        </pc:spChg>
-        <pc:spChg chg="add del">
-          <ac:chgData name="Ditte Filskov Theilgaard" userId="150196ba-3d64-4ece-aa51-395739ba31e6" providerId="ADAL" clId="{796F0423-A167-474B-B979-EDD81E695ACF}" dt="2024-12-27T10:42:59.016" v="164" actId="26606"/>
-          <ac:spMkLst>
-            <pc:docMk/>
-            <pc:sldMk cId="3240605633" sldId="260"/>
-            <ac:spMk id="16" creationId="{9A97C86A-04D6-40F7-AE84-31AB43E6A846}"/>
-          </ac:spMkLst>
-        </pc:spChg>
-        <pc:spChg chg="add del">
-          <ac:chgData name="Ditte Filskov Theilgaard" userId="150196ba-3d64-4ece-aa51-395739ba31e6" providerId="ADAL" clId="{796F0423-A167-474B-B979-EDD81E695ACF}" dt="2024-12-27T10:42:59.016" v="164" actId="26606"/>
-          <ac:spMkLst>
-            <pc:docMk/>
-            <pc:sldMk cId="3240605633" sldId="260"/>
-            <ac:spMk id="18" creationId="{FF9F2414-84E8-453E-B1F3-389FDE8192D9}"/>
-          </ac:spMkLst>
-        </pc:spChg>
-        <pc:spChg chg="add del">
-          <ac:chgData name="Ditte Filskov Theilgaard" userId="150196ba-3d64-4ece-aa51-395739ba31e6" providerId="ADAL" clId="{796F0423-A167-474B-B979-EDD81E695ACF}" dt="2024-12-27T10:42:59.016" v="164" actId="26606"/>
-          <ac:spMkLst>
-            <pc:docMk/>
-            <pc:sldMk cId="3240605633" sldId="260"/>
-            <ac:spMk id="20" creationId="{3ECA69A1-7536-43AC-85EF-C7106179F5ED}"/>
-          </ac:spMkLst>
-        </pc:spChg>
         <pc:picChg chg="add mod">
           <ac:chgData name="Ditte Filskov Theilgaard" userId="150196ba-3d64-4ece-aa51-395739ba31e6" providerId="ADAL" clId="{796F0423-A167-474B-B979-EDD81E695ACF}" dt="2024-12-27T10:43:01.205" v="166" actId="27614"/>
           <ac:picMkLst>
@@ -311,22 +259,6 @@
           <pc:docMk/>
           <pc:sldMk cId="2147713105" sldId="261"/>
         </pc:sldMkLst>
-        <pc:spChg chg="add mod">
-          <ac:chgData name="Ditte Filskov Theilgaard" userId="150196ba-3d64-4ece-aa51-395739ba31e6" providerId="ADAL" clId="{796F0423-A167-474B-B979-EDD81E695ACF}" dt="2024-12-27T10:50:27.270" v="310" actId="20577"/>
-          <ac:spMkLst>
-            <pc:docMk/>
-            <pc:sldMk cId="2147713105" sldId="261"/>
-            <ac:spMk id="4" creationId="{EAEFFE61-CE74-E5D7-6FA7-18102DAD5565}"/>
-          </ac:spMkLst>
-        </pc:spChg>
-        <pc:picChg chg="add mod">
-          <ac:chgData name="Ditte Filskov Theilgaard" userId="150196ba-3d64-4ece-aa51-395739ba31e6" providerId="ADAL" clId="{796F0423-A167-474B-B979-EDD81E695ACF}" dt="2024-12-27T10:47:47.607" v="167" actId="1076"/>
-          <ac:picMkLst>
-            <pc:docMk/>
-            <pc:sldMk cId="2147713105" sldId="261"/>
-            <ac:picMk id="3" creationId="{73A2A887-3E8F-5F8E-54F2-004B7B7C3D76}"/>
-          </ac:picMkLst>
-        </pc:picChg>
       </pc:sldChg>
       <pc:sldChg chg="del">
         <pc:chgData name="Ditte Filskov Theilgaard" userId="150196ba-3d64-4ece-aa51-395739ba31e6" providerId="ADAL" clId="{796F0423-A167-474B-B979-EDD81E695ACF}" dt="2024-12-27T10:27:02.691" v="8" actId="47"/>
@@ -401,22 +333,6 @@
           <pc:docMk/>
           <pc:sldMk cId="346478571" sldId="265"/>
         </pc:sldMkLst>
-        <pc:picChg chg="add del mod">
-          <ac:chgData name="Ditte Filskov Theilgaard" userId="150196ba-3d64-4ece-aa51-395739ba31e6" providerId="ADAL" clId="{796F0423-A167-474B-B979-EDD81E695ACF}" dt="2024-12-27T11:04:18.760" v="317" actId="478"/>
-          <ac:picMkLst>
-            <pc:docMk/>
-            <pc:sldMk cId="346478571" sldId="265"/>
-            <ac:picMk id="3" creationId="{C3060F17-FEE0-7D74-64F8-C37C9599EB40}"/>
-          </ac:picMkLst>
-        </pc:picChg>
-        <pc:picChg chg="add del mod">
-          <ac:chgData name="Ditte Filskov Theilgaard" userId="150196ba-3d64-4ece-aa51-395739ba31e6" providerId="ADAL" clId="{796F0423-A167-474B-B979-EDD81E695ACF}" dt="2024-12-27T11:09:16.637" v="323" actId="478"/>
-          <ac:picMkLst>
-            <pc:docMk/>
-            <pc:sldMk cId="346478571" sldId="265"/>
-            <ac:picMk id="5" creationId="{07CA5FAD-2B87-1B09-4831-D16A44533235}"/>
-          </ac:picMkLst>
-        </pc:picChg>
         <pc:picChg chg="add mod">
           <ac:chgData name="Ditte Filskov Theilgaard" userId="150196ba-3d64-4ece-aa51-395739ba31e6" providerId="ADAL" clId="{796F0423-A167-474B-B979-EDD81E695ACF}" dt="2024-12-27T11:09:19.035" v="325" actId="1076"/>
           <ac:picMkLst>
@@ -432,22 +348,6 @@
           <pc:docMk/>
           <pc:sldMk cId="204917167" sldId="266"/>
         </pc:sldMkLst>
-        <pc:picChg chg="add del mod">
-          <ac:chgData name="Ditte Filskov Theilgaard" userId="150196ba-3d64-4ece-aa51-395739ba31e6" providerId="ADAL" clId="{796F0423-A167-474B-B979-EDD81E695ACF}" dt="2024-12-27T11:04:22.067" v="318" actId="478"/>
-          <ac:picMkLst>
-            <pc:docMk/>
-            <pc:sldMk cId="204917167" sldId="266"/>
-            <ac:picMk id="3" creationId="{AC8F5A79-7EF4-FEE8-F5FA-21723D5E614C}"/>
-          </ac:picMkLst>
-        </pc:picChg>
-        <pc:picChg chg="add mod">
-          <ac:chgData name="Ditte Filskov Theilgaard" userId="150196ba-3d64-4ece-aa51-395739ba31e6" providerId="ADAL" clId="{796F0423-A167-474B-B979-EDD81E695ACF}" dt="2024-12-27T11:07:25.198" v="322" actId="1076"/>
-          <ac:picMkLst>
-            <pc:docMk/>
-            <pc:sldMk cId="204917167" sldId="266"/>
-            <ac:picMk id="5" creationId="{7C9F0E9E-E6DE-398F-881F-D23A0D0055CB}"/>
-          </ac:picMkLst>
-        </pc:picChg>
       </pc:sldChg>
       <pc:sldChg chg="addSp modSp new">
         <pc:chgData name="Ditte Filskov Theilgaard" userId="150196ba-3d64-4ece-aa51-395739ba31e6" providerId="ADAL" clId="{796F0423-A167-474B-B979-EDD81E695ACF}" dt="2024-12-27T10:55:07.635" v="316" actId="14100"/>
@@ -463,6 +363,199 @@
             <ac:picMk id="2050" creationId="{0DFF6BE0-BBF1-A5F6-39F3-3155F3F63B38}"/>
           </ac:picMkLst>
         </pc:picChg>
+      </pc:sldChg>
+    </pc:docChg>
+  </pc:docChgLst>
+  <pc:docChgLst>
+    <pc:chgData name="Ditte Filskov Theilgaard" userId="150196ba-3d64-4ece-aa51-395739ba31e6" providerId="ADAL" clId="{8E14694A-BAA4-473D-BF5D-3CB4DDE1DF90}"/>
+    <pc:docChg chg="undo custSel delSld modSld sldOrd">
+      <pc:chgData name="Ditte Filskov Theilgaard" userId="150196ba-3d64-4ece-aa51-395739ba31e6" providerId="ADAL" clId="{8E14694A-BAA4-473D-BF5D-3CB4DDE1DF90}" dt="2025-01-15T13:53:27.009" v="95" actId="478"/>
+      <pc:docMkLst>
+        <pc:docMk/>
+      </pc:docMkLst>
+      <pc:sldChg chg="addSp modSp mod">
+        <pc:chgData name="Ditte Filskov Theilgaard" userId="150196ba-3d64-4ece-aa51-395739ba31e6" providerId="ADAL" clId="{8E14694A-BAA4-473D-BF5D-3CB4DDE1DF90}" dt="2025-01-15T13:43:28.050" v="85" actId="14100"/>
+        <pc:sldMkLst>
+          <pc:docMk/>
+          <pc:sldMk cId="1609869835" sldId="257"/>
+        </pc:sldMkLst>
+        <pc:picChg chg="add mod">
+          <ac:chgData name="Ditte Filskov Theilgaard" userId="150196ba-3d64-4ece-aa51-395739ba31e6" providerId="ADAL" clId="{8E14694A-BAA4-473D-BF5D-3CB4DDE1DF90}" dt="2025-01-15T13:43:28.050" v="85" actId="14100"/>
+          <ac:picMkLst>
+            <pc:docMk/>
+            <pc:sldMk cId="1609869835" sldId="257"/>
+            <ac:picMk id="6" creationId="{38E84CC0-808A-1B5E-00AE-62CAB11F7820}"/>
+          </ac:picMkLst>
+        </pc:picChg>
+      </pc:sldChg>
+      <pc:sldChg chg="addSp delSp modSp mod modClrScheme chgLayout">
+        <pc:chgData name="Ditte Filskov Theilgaard" userId="150196ba-3d64-4ece-aa51-395739ba31e6" providerId="ADAL" clId="{8E14694A-BAA4-473D-BF5D-3CB4DDE1DF90}" dt="2025-01-15T13:33:43.076" v="69" actId="1036"/>
+        <pc:sldMkLst>
+          <pc:docMk/>
+          <pc:sldMk cId="2147713105" sldId="261"/>
+        </pc:sldMkLst>
+        <pc:spChg chg="add mod ord">
+          <ac:chgData name="Ditte Filskov Theilgaard" userId="150196ba-3d64-4ece-aa51-395739ba31e6" providerId="ADAL" clId="{8E14694A-BAA4-473D-BF5D-3CB4DDE1DF90}" dt="2025-01-15T13:32:01.504" v="52" actId="1076"/>
+          <ac:spMkLst>
+            <pc:docMk/>
+            <pc:sldMk cId="2147713105" sldId="261"/>
+            <ac:spMk id="2" creationId="{8839E630-9867-CA04-A545-0DDCFD54C380}"/>
+          </ac:spMkLst>
+        </pc:spChg>
+        <pc:spChg chg="del">
+          <ac:chgData name="Ditte Filskov Theilgaard" userId="150196ba-3d64-4ece-aa51-395739ba31e6" providerId="ADAL" clId="{8E14694A-BAA4-473D-BF5D-3CB4DDE1DF90}" dt="2025-01-15T13:23:24.078" v="5" actId="478"/>
+          <ac:spMkLst>
+            <pc:docMk/>
+            <pc:sldMk cId="2147713105" sldId="261"/>
+            <ac:spMk id="4" creationId="{EAEFFE61-CE74-E5D7-6FA7-18102DAD5565}"/>
+          </ac:spMkLst>
+        </pc:spChg>
+        <pc:picChg chg="del mod">
+          <ac:chgData name="Ditte Filskov Theilgaard" userId="150196ba-3d64-4ece-aa51-395739ba31e6" providerId="ADAL" clId="{8E14694A-BAA4-473D-BF5D-3CB4DDE1DF90}" dt="2025-01-15T13:32:24.706" v="53" actId="478"/>
+          <ac:picMkLst>
+            <pc:docMk/>
+            <pc:sldMk cId="2147713105" sldId="261"/>
+            <ac:picMk id="3" creationId="{73A2A887-3E8F-5F8E-54F2-004B7B7C3D76}"/>
+          </ac:picMkLst>
+        </pc:picChg>
+        <pc:picChg chg="add del mod modCrop">
+          <ac:chgData name="Ditte Filskov Theilgaard" userId="150196ba-3d64-4ece-aa51-395739ba31e6" providerId="ADAL" clId="{8E14694A-BAA4-473D-BF5D-3CB4DDE1DF90}" dt="2025-01-15T13:33:08.562" v="66" actId="21"/>
+          <ac:picMkLst>
+            <pc:docMk/>
+            <pc:sldMk cId="2147713105" sldId="261"/>
+            <ac:picMk id="6" creationId="{ADBDD5CF-8D6E-BD51-4C50-9FDCD5699937}"/>
+          </ac:picMkLst>
+        </pc:picChg>
+        <pc:picChg chg="add mod">
+          <ac:chgData name="Ditte Filskov Theilgaard" userId="150196ba-3d64-4ece-aa51-395739ba31e6" providerId="ADAL" clId="{8E14694A-BAA4-473D-BF5D-3CB4DDE1DF90}" dt="2025-01-15T13:33:43.076" v="69" actId="1036"/>
+          <ac:picMkLst>
+            <pc:docMk/>
+            <pc:sldMk cId="2147713105" sldId="261"/>
+            <ac:picMk id="7" creationId="{ADBDD5CF-8D6E-BD51-4C50-9FDCD5699937}"/>
+          </ac:picMkLst>
+        </pc:picChg>
+      </pc:sldChg>
+      <pc:sldChg chg="addSp modSp mod modClrScheme chgLayout">
+        <pc:chgData name="Ditte Filskov Theilgaard" userId="150196ba-3d64-4ece-aa51-395739ba31e6" providerId="ADAL" clId="{8E14694A-BAA4-473D-BF5D-3CB4DDE1DF90}" dt="2025-01-15T13:31:54.969" v="51" actId="1076"/>
+        <pc:sldMkLst>
+          <pc:docMk/>
+          <pc:sldMk cId="4212214685" sldId="262"/>
+        </pc:sldMkLst>
+        <pc:spChg chg="add mod ord">
+          <ac:chgData name="Ditte Filskov Theilgaard" userId="150196ba-3d64-4ece-aa51-395739ba31e6" providerId="ADAL" clId="{8E14694A-BAA4-473D-BF5D-3CB4DDE1DF90}" dt="2025-01-15T13:31:54.969" v="51" actId="1076"/>
+          <ac:spMkLst>
+            <pc:docMk/>
+            <pc:sldMk cId="4212214685" sldId="262"/>
+            <ac:spMk id="2" creationId="{2EBE7094-7A10-0756-C334-5F16338D9575}"/>
+          </ac:spMkLst>
+        </pc:spChg>
+        <pc:picChg chg="mod">
+          <ac:chgData name="Ditte Filskov Theilgaard" userId="150196ba-3d64-4ece-aa51-395739ba31e6" providerId="ADAL" clId="{8E14694A-BAA4-473D-BF5D-3CB4DDE1DF90}" dt="2025-01-15T13:31:30.114" v="25" actId="14100"/>
+          <ac:picMkLst>
+            <pc:docMk/>
+            <pc:sldMk cId="4212214685" sldId="262"/>
+            <ac:picMk id="3" creationId="{EE3AB998-453A-CACF-4E34-ABF1A815D886}"/>
+          </ac:picMkLst>
+        </pc:picChg>
+        <pc:picChg chg="mod">
+          <ac:chgData name="Ditte Filskov Theilgaard" userId="150196ba-3d64-4ece-aa51-395739ba31e6" providerId="ADAL" clId="{8E14694A-BAA4-473D-BF5D-3CB4DDE1DF90}" dt="2025-01-15T13:31:21.914" v="23" actId="14100"/>
+          <ac:picMkLst>
+            <pc:docMk/>
+            <pc:sldMk cId="4212214685" sldId="262"/>
+            <ac:picMk id="5" creationId="{054904B2-915E-0816-6254-FD042D48DF57}"/>
+          </ac:picMkLst>
+        </pc:picChg>
+      </pc:sldChg>
+      <pc:sldChg chg="modSp mod">
+        <pc:chgData name="Ditte Filskov Theilgaard" userId="150196ba-3d64-4ece-aa51-395739ba31e6" providerId="ADAL" clId="{8E14694A-BAA4-473D-BF5D-3CB4DDE1DF90}" dt="2025-01-15T10:49:24.374" v="0" actId="1076"/>
+        <pc:sldMkLst>
+          <pc:docMk/>
+          <pc:sldMk cId="3595488697" sldId="263"/>
+        </pc:sldMkLst>
+        <pc:picChg chg="mod">
+          <ac:chgData name="Ditte Filskov Theilgaard" userId="150196ba-3d64-4ece-aa51-395739ba31e6" providerId="ADAL" clId="{8E14694A-BAA4-473D-BF5D-3CB4DDE1DF90}" dt="2025-01-15T10:49:24.374" v="0" actId="1076"/>
+          <ac:picMkLst>
+            <pc:docMk/>
+            <pc:sldMk cId="3595488697" sldId="263"/>
+            <ac:picMk id="3" creationId="{8E8D45BE-575D-64C5-6FB2-DAAD34A8BF29}"/>
+          </ac:picMkLst>
+        </pc:picChg>
+      </pc:sldChg>
+      <pc:sldChg chg="addSp delSp modSp mod">
+        <pc:chgData name="Ditte Filskov Theilgaard" userId="150196ba-3d64-4ece-aa51-395739ba31e6" providerId="ADAL" clId="{8E14694A-BAA4-473D-BF5D-3CB4DDE1DF90}" dt="2025-01-15T13:53:27.009" v="95" actId="478"/>
+        <pc:sldMkLst>
+          <pc:docMk/>
+          <pc:sldMk cId="499207199" sldId="264"/>
+        </pc:sldMkLst>
+        <pc:picChg chg="mod">
+          <ac:chgData name="Ditte Filskov Theilgaard" userId="150196ba-3d64-4ece-aa51-395739ba31e6" providerId="ADAL" clId="{8E14694A-BAA4-473D-BF5D-3CB4DDE1DF90}" dt="2025-01-15T13:40:46.581" v="71" actId="1036"/>
+          <ac:picMkLst>
+            <pc:docMk/>
+            <pc:sldMk cId="499207199" sldId="264"/>
+            <ac:picMk id="3" creationId="{3CB2CC4E-D446-CB1D-506E-9C8C81417657}"/>
+          </ac:picMkLst>
+        </pc:picChg>
+        <pc:picChg chg="add del mod">
+          <ac:chgData name="Ditte Filskov Theilgaard" userId="150196ba-3d64-4ece-aa51-395739ba31e6" providerId="ADAL" clId="{8E14694A-BAA4-473D-BF5D-3CB4DDE1DF90}" dt="2025-01-15T13:53:26.132" v="94" actId="478"/>
+          <ac:picMkLst>
+            <pc:docMk/>
+            <pc:sldMk cId="499207199" sldId="264"/>
+            <ac:picMk id="5" creationId="{DE86CF13-82BB-0D7B-6293-1E88DE0477D4}"/>
+          </ac:picMkLst>
+        </pc:picChg>
+        <pc:picChg chg="add del mod">
+          <ac:chgData name="Ditte Filskov Theilgaard" userId="150196ba-3d64-4ece-aa51-395739ba31e6" providerId="ADAL" clId="{8E14694A-BAA4-473D-BF5D-3CB4DDE1DF90}" dt="2025-01-15T13:53:27.009" v="95" actId="478"/>
+          <ac:picMkLst>
+            <pc:docMk/>
+            <pc:sldMk cId="499207199" sldId="264"/>
+            <ac:picMk id="7" creationId="{71674265-CF99-786C-C43E-B9D51A950B40}"/>
+          </ac:picMkLst>
+        </pc:picChg>
+      </pc:sldChg>
+      <pc:sldChg chg="addSp modSp mod">
+        <pc:chgData name="Ditte Filskov Theilgaard" userId="150196ba-3d64-4ece-aa51-395739ba31e6" providerId="ADAL" clId="{8E14694A-BAA4-473D-BF5D-3CB4DDE1DF90}" dt="2025-01-15T13:41:22.698" v="80" actId="1076"/>
+        <pc:sldMkLst>
+          <pc:docMk/>
+          <pc:sldMk cId="346478571" sldId="265"/>
+        </pc:sldMkLst>
+        <pc:picChg chg="add mod">
+          <ac:chgData name="Ditte Filskov Theilgaard" userId="150196ba-3d64-4ece-aa51-395739ba31e6" providerId="ADAL" clId="{8E14694A-BAA4-473D-BF5D-3CB4DDE1DF90}" dt="2025-01-15T13:41:22.698" v="80" actId="1076"/>
+          <ac:picMkLst>
+            <pc:docMk/>
+            <pc:sldMk cId="346478571" sldId="265"/>
+            <ac:picMk id="5" creationId="{7C9F0E9E-E6DE-398F-881F-D23A0D0055CB}"/>
+          </ac:picMkLst>
+        </pc:picChg>
+        <pc:picChg chg="mod">
+          <ac:chgData name="Ditte Filskov Theilgaard" userId="150196ba-3d64-4ece-aa51-395739ba31e6" providerId="ADAL" clId="{8E14694A-BAA4-473D-BF5D-3CB4DDE1DF90}" dt="2025-01-15T13:41:21.014" v="79" actId="1076"/>
+          <ac:picMkLst>
+            <pc:docMk/>
+            <pc:sldMk cId="346478571" sldId="265"/>
+            <ac:picMk id="7" creationId="{CC0D39C4-8043-0533-3B5E-8DF035071E77}"/>
+          </ac:picMkLst>
+        </pc:picChg>
+      </pc:sldChg>
+      <pc:sldChg chg="delSp del mod">
+        <pc:chgData name="Ditte Filskov Theilgaard" userId="150196ba-3d64-4ece-aa51-395739ba31e6" providerId="ADAL" clId="{8E14694A-BAA4-473D-BF5D-3CB4DDE1DF90}" dt="2025-01-15T13:45:27.959" v="86" actId="47"/>
+        <pc:sldMkLst>
+          <pc:docMk/>
+          <pc:sldMk cId="204917167" sldId="266"/>
+        </pc:sldMkLst>
+        <pc:picChg chg="del">
+          <ac:chgData name="Ditte Filskov Theilgaard" userId="150196ba-3d64-4ece-aa51-395739ba31e6" providerId="ADAL" clId="{8E14694A-BAA4-473D-BF5D-3CB4DDE1DF90}" dt="2025-01-15T13:40:55.503" v="72" actId="21"/>
+          <ac:picMkLst>
+            <pc:docMk/>
+            <pc:sldMk cId="204917167" sldId="266"/>
+            <ac:picMk id="5" creationId="{7C9F0E9E-E6DE-398F-881F-D23A0D0055CB}"/>
+          </ac:picMkLst>
+        </pc:picChg>
+      </pc:sldChg>
+      <pc:sldChg chg="ord">
+        <pc:chgData name="Ditte Filskov Theilgaard" userId="150196ba-3d64-4ece-aa51-395739ba31e6" providerId="ADAL" clId="{8E14694A-BAA4-473D-BF5D-3CB4DDE1DF90}" dt="2025-01-15T13:15:48.320" v="4"/>
+        <pc:sldMkLst>
+          <pc:docMk/>
+          <pc:sldMk cId="827347934" sldId="267"/>
+        </pc:sldMkLst>
       </pc:sldChg>
     </pc:docChg>
   </pc:docChgLst>
@@ -551,7 +644,7 @@
           <a:p>
             <a:fld id="{237DF243-990D-452E-B2F0-0A24C40DD102}" type="datetimeFigureOut">
               <a:rPr lang="en-US" smtClean="0"/>
-              <a:t>12/27/2024</a:t>
+              <a:t>1/15/2025</a:t>
             </a:fld>
             <a:endParaRPr lang="en-US"/>
           </a:p>
@@ -963,9 +1056,9 @@
           <a:bodyPr/>
           <a:lstStyle/>
           <a:p>
-            <a:fld id="{9CB904D7-2B70-4964-9B23-4E5B349F082D}" type="datetimeFigureOut">
+            <a:fld id="{F1938C27-3832-413D-8808-36E6C07FB209}" type="datetime1">
               <a:rPr lang="en-US" smtClean="0"/>
-              <a:t>12/27/2024</a:t>
+              <a:t>1/15/2025</a:t>
             </a:fld>
             <a:endParaRPr lang="en-US"/>
           </a:p>
@@ -1168,9 +1261,9 @@
           <a:bodyPr/>
           <a:lstStyle/>
           <a:p>
-            <a:fld id="{9CB904D7-2B70-4964-9B23-4E5B349F082D}" type="datetimeFigureOut">
+            <a:fld id="{7B0A31AC-E4D1-4A1A-AD27-D73812DCE39B}" type="datetime1">
               <a:rPr lang="en-US" smtClean="0"/>
-              <a:t>12/27/2024</a:t>
+              <a:t>1/15/2025</a:t>
             </a:fld>
             <a:endParaRPr lang="en-US"/>
           </a:p>
@@ -1443,9 +1536,9 @@
           <a:bodyPr/>
           <a:lstStyle/>
           <a:p>
-            <a:fld id="{9CB904D7-2B70-4964-9B23-4E5B349F082D}" type="datetimeFigureOut">
+            <a:fld id="{C3681457-6B94-4167-84FE-E36923767DF0}" type="datetime1">
               <a:rPr lang="en-US" smtClean="0"/>
-              <a:t>12/27/2024</a:t>
+              <a:t>1/15/2025</a:t>
             </a:fld>
             <a:endParaRPr lang="en-US"/>
           </a:p>
@@ -1708,9 +1801,9 @@
           <a:bodyPr/>
           <a:lstStyle/>
           <a:p>
-            <a:fld id="{9CB904D7-2B70-4964-9B23-4E5B349F082D}" type="datetimeFigureOut">
+            <a:fld id="{DE4C0AB6-9594-45E7-8531-9818AE2E8100}" type="datetime1">
               <a:rPr lang="en-US" smtClean="0"/>
-              <a:t>12/27/2024</a:t>
+              <a:t>1/15/2025</a:t>
             </a:fld>
             <a:endParaRPr lang="en-US"/>
           </a:p>
@@ -2120,9 +2213,9 @@
           <a:bodyPr/>
           <a:lstStyle/>
           <a:p>
-            <a:fld id="{9CB904D7-2B70-4964-9B23-4E5B349F082D}" type="datetimeFigureOut">
+            <a:fld id="{F7F375D3-98B1-42DD-B084-4402057E56F8}" type="datetime1">
               <a:rPr lang="en-US" smtClean="0"/>
-              <a:t>12/27/2024</a:t>
+              <a:t>1/15/2025</a:t>
             </a:fld>
             <a:endParaRPr lang="en-US"/>
           </a:p>
@@ -2261,9 +2354,9 @@
           <a:bodyPr/>
           <a:lstStyle/>
           <a:p>
-            <a:fld id="{9CB904D7-2B70-4964-9B23-4E5B349F082D}" type="datetimeFigureOut">
+            <a:fld id="{398AE8E5-730C-49DD-B740-E38F512124A3}" type="datetime1">
               <a:rPr lang="en-US" smtClean="0"/>
-              <a:t>12/27/2024</a:t>
+              <a:t>1/15/2025</a:t>
             </a:fld>
             <a:endParaRPr lang="en-US"/>
           </a:p>
@@ -2374,9 +2467,9 @@
           <a:bodyPr/>
           <a:lstStyle/>
           <a:p>
-            <a:fld id="{9CB904D7-2B70-4964-9B23-4E5B349F082D}" type="datetimeFigureOut">
+            <a:fld id="{D8BF7179-D873-4D67-85AB-C137136A7072}" type="datetime1">
               <a:rPr lang="en-US" smtClean="0"/>
-              <a:t>12/27/2024</a:t>
+              <a:t>1/15/2025</a:t>
             </a:fld>
             <a:endParaRPr lang="en-US"/>
           </a:p>
@@ -2615,9 +2708,9 @@
             </a:lvl1pPr>
           </a:lstStyle>
           <a:p>
-            <a:fld id="{9CB904D7-2B70-4964-9B23-4E5B349F082D}" type="datetimeFigureOut">
+            <a:fld id="{2ADDDB31-38A9-43B7-B195-911E394C8A1F}" type="datetime1">
               <a:rPr lang="en-US" smtClean="0"/>
-              <a:t>12/27/2024</a:t>
+              <a:t>1/15/2025</a:t>
             </a:fld>
             <a:endParaRPr lang="en-US"/>
           </a:p>
@@ -2730,6 +2823,7 @@
     <p:sldLayoutId id="2147483654" r:id="rId6"/>
     <p:sldLayoutId id="2147483655" r:id="rId7"/>
   </p:sldLayoutIdLst>
+  <p:hf hdr="0" ftr="0" dt="0"/>
   <p:txStyles>
     <p:titleStyle>
       <a:lvl1pPr algn="l" defTabSz="914400" rtl="0" eaLnBrk="1" latinLnBrk="0" hangingPunct="1">
@@ -3485,7 +3579,7 @@
         </p:blipFill>
         <p:spPr>
           <a:xfrm>
-            <a:off x="591674" y="400225"/>
+            <a:off x="229724" y="906109"/>
             <a:ext cx="6639852" cy="5058481"/>
           </a:xfrm>
           <a:prstGeom prst="rect">
@@ -3493,6 +3587,35 @@
           </a:prstGeom>
         </p:spPr>
       </p:pic>
+      <p:sp>
+        <p:nvSpPr>
+          <p:cNvPr id="2" name="Slide Number Placeholder 1">
+            <a:extLst>
+              <a:ext uri="{FF2B5EF4-FFF2-40B4-BE49-F238E27FC236}">
+                <a16:creationId xmlns:a16="http://schemas.microsoft.com/office/drawing/2014/main" id="{7A7AA98D-362E-A043-2B42-438989D0D9D9}"/>
+              </a:ext>
+            </a:extLst>
+          </p:cNvPr>
+          <p:cNvSpPr>
+            <a:spLocks noGrp="1"/>
+          </p:cNvSpPr>
+          <p:nvPr>
+            <p:ph type="sldNum" sz="quarter" idx="12"/>
+          </p:nvPr>
+        </p:nvSpPr>
+        <p:spPr/>
+        <p:txBody>
+          <a:bodyPr/>
+          <a:lstStyle/>
+          <a:p>
+            <a:fld id="{4B04BC67-DFA6-4863-89DB-B4077B3FACAF}" type="slidenum">
+              <a:rPr lang="en-US" smtClean="0"/>
+              <a:t>10</a:t>
+            </a:fld>
+            <a:endParaRPr lang="en-US"/>
+          </a:p>
+        </p:txBody>
+      </p:sp>
     </p:spTree>
     <p:extLst>
       <p:ext uri="{BB962C8B-B14F-4D97-AF65-F5344CB8AC3E}">
@@ -3545,44 +3668,14 @@
         </p:blipFill>
         <p:spPr>
           <a:xfrm>
-            <a:off x="-62992" y="0"/>
-            <a:ext cx="8253984" cy="6858000"/>
+            <a:off x="292608" y="1733550"/>
+            <a:ext cx="5670793" cy="4711700"/>
           </a:xfrm>
           <a:prstGeom prst="rect">
             <a:avLst/>
           </a:prstGeom>
         </p:spPr>
       </p:pic>
-    </p:spTree>
-    <p:extLst>
-      <p:ext uri="{BB962C8B-B14F-4D97-AF65-F5344CB8AC3E}">
-        <p14:creationId xmlns:p14="http://schemas.microsoft.com/office/powerpoint/2010/main" val="346478571"/>
-      </p:ext>
-    </p:extLst>
-  </p:cSld>
-  <p:clrMapOvr>
-    <a:masterClrMapping/>
-  </p:clrMapOvr>
-</p:sld>
-</file>
-
-<file path=ppt/slides/slide12.xml><?xml version="1.0" encoding="utf-8"?>
-<p:sld xmlns:a="http://schemas.openxmlformats.org/drawingml/2006/main" xmlns:r="http://schemas.openxmlformats.org/officeDocument/2006/relationships" xmlns:p="http://schemas.openxmlformats.org/presentationml/2006/main">
-  <p:cSld>
-    <p:spTree>
-      <p:nvGrpSpPr>
-        <p:cNvPr id="1" name=""/>
-        <p:cNvGrpSpPr/>
-        <p:nvPr/>
-      </p:nvGrpSpPr>
-      <p:grpSpPr>
-        <a:xfrm>
-          <a:off x="0" y="0"/>
-          <a:ext cx="0" cy="0"/>
-          <a:chOff x="0" y="0"/>
-          <a:chExt cx="0" cy="0"/>
-        </a:xfrm>
-      </p:grpSpPr>
       <p:pic>
         <p:nvPicPr>
           <p:cNvPr id="5" name="Picture 4">
@@ -3598,25 +3691,54 @@
           <p:nvPr/>
         </p:nvPicPr>
         <p:blipFill>
-          <a:blip r:embed="rId2"/>
+          <a:blip r:embed="rId3"/>
           <a:stretch>
             <a:fillRect/>
           </a:stretch>
         </p:blipFill>
         <p:spPr>
           <a:xfrm>
-            <a:off x="0" y="0"/>
-            <a:ext cx="8585723" cy="6858000"/>
+            <a:off x="6228601" y="1733550"/>
+            <a:ext cx="5898710" cy="4711700"/>
           </a:xfrm>
           <a:prstGeom prst="rect">
             <a:avLst/>
           </a:prstGeom>
         </p:spPr>
       </p:pic>
+      <p:sp>
+        <p:nvSpPr>
+          <p:cNvPr id="2" name="Slide Number Placeholder 1">
+            <a:extLst>
+              <a:ext uri="{FF2B5EF4-FFF2-40B4-BE49-F238E27FC236}">
+                <a16:creationId xmlns:a16="http://schemas.microsoft.com/office/drawing/2014/main" id="{4129CC1B-65C5-B972-B9CD-8B99CE7A27AE}"/>
+              </a:ext>
+            </a:extLst>
+          </p:cNvPr>
+          <p:cNvSpPr>
+            <a:spLocks noGrp="1"/>
+          </p:cNvSpPr>
+          <p:nvPr>
+            <p:ph type="sldNum" sz="quarter" idx="12"/>
+          </p:nvPr>
+        </p:nvSpPr>
+        <p:spPr/>
+        <p:txBody>
+          <a:bodyPr/>
+          <a:lstStyle/>
+          <a:p>
+            <a:fld id="{4B04BC67-DFA6-4863-89DB-B4077B3FACAF}" type="slidenum">
+              <a:rPr lang="en-US" smtClean="0"/>
+              <a:t>11</a:t>
+            </a:fld>
+            <a:endParaRPr lang="en-US"/>
+          </a:p>
+        </p:txBody>
+      </p:sp>
     </p:spTree>
     <p:extLst>
       <p:ext uri="{BB962C8B-B14F-4D97-AF65-F5344CB8AC3E}">
-        <p14:creationId xmlns:p14="http://schemas.microsoft.com/office/powerpoint/2010/main" val="204917167"/>
+        <p14:creationId xmlns:p14="http://schemas.microsoft.com/office/powerpoint/2010/main" val="346478571"/>
       </p:ext>
     </p:extLst>
   </p:cSld>
@@ -3825,6 +3947,71 @@
           </a:p>
         </p:txBody>
       </p:sp>
+      <p:sp>
+        <p:nvSpPr>
+          <p:cNvPr id="4" name="Slide Number Placeholder 3">
+            <a:extLst>
+              <a:ext uri="{FF2B5EF4-FFF2-40B4-BE49-F238E27FC236}">
+                <a16:creationId xmlns:a16="http://schemas.microsoft.com/office/drawing/2014/main" id="{E0D9C54F-0D22-EF41-443D-77173109539A}"/>
+              </a:ext>
+            </a:extLst>
+          </p:cNvPr>
+          <p:cNvSpPr>
+            <a:spLocks noGrp="1"/>
+          </p:cNvSpPr>
+          <p:nvPr>
+            <p:ph type="sldNum" sz="quarter" idx="12"/>
+          </p:nvPr>
+        </p:nvSpPr>
+        <p:spPr/>
+        <p:txBody>
+          <a:bodyPr/>
+          <a:lstStyle/>
+          <a:p>
+            <a:fld id="{4B04BC67-DFA6-4863-89DB-B4077B3FACAF}" type="slidenum">
+              <a:rPr lang="en-US" smtClean="0"/>
+              <a:t>2</a:t>
+            </a:fld>
+            <a:endParaRPr lang="en-US"/>
+          </a:p>
+        </p:txBody>
+      </p:sp>
+      <p:pic>
+        <p:nvPicPr>
+          <p:cNvPr id="6" name="Picture 5" descr="A graph of a graph&#10;&#10;Description automatically generated with medium confidence">
+            <a:extLst>
+              <a:ext uri="{FF2B5EF4-FFF2-40B4-BE49-F238E27FC236}">
+                <a16:creationId xmlns:a16="http://schemas.microsoft.com/office/drawing/2014/main" id="{38E84CC0-808A-1B5E-00AE-62CAB11F7820}"/>
+              </a:ext>
+            </a:extLst>
+          </p:cNvPr>
+          <p:cNvPicPr>
+            <a:picLocks noChangeAspect="1"/>
+          </p:cNvPicPr>
+          <p:nvPr/>
+        </p:nvPicPr>
+        <p:blipFill>
+          <a:blip r:embed="rId2">
+            <a:extLst>
+              <a:ext uri="{28A0092B-C50C-407E-A947-70E740481C1C}">
+                <a14:useLocalDpi xmlns:a14="http://schemas.microsoft.com/office/drawing/2010/main" val="0"/>
+              </a:ext>
+            </a:extLst>
+          </a:blip>
+          <a:stretch>
+            <a:fillRect/>
+          </a:stretch>
+        </p:blipFill>
+        <p:spPr>
+          <a:xfrm>
+            <a:off x="0" y="5035550"/>
+            <a:ext cx="12192000" cy="1822450"/>
+          </a:xfrm>
+          <a:prstGeom prst="rect">
+            <a:avLst/>
+          </a:prstGeom>
+        </p:spPr>
+      </p:pic>
     </p:spTree>
     <p:extLst>
       <p:ext uri="{BB962C8B-B14F-4D97-AF65-F5344CB8AC3E}">
@@ -3885,6 +4072,35 @@
           </a:prstGeom>
         </p:spPr>
       </p:pic>
+      <p:sp>
+        <p:nvSpPr>
+          <p:cNvPr id="2" name="Slide Number Placeholder 1">
+            <a:extLst>
+              <a:ext uri="{FF2B5EF4-FFF2-40B4-BE49-F238E27FC236}">
+                <a16:creationId xmlns:a16="http://schemas.microsoft.com/office/drawing/2014/main" id="{833A3081-8FD8-FAF8-EC94-8845FDC6AE9C}"/>
+              </a:ext>
+            </a:extLst>
+          </p:cNvPr>
+          <p:cNvSpPr>
+            <a:spLocks noGrp="1"/>
+          </p:cNvSpPr>
+          <p:nvPr>
+            <p:ph type="sldNum" sz="quarter" idx="12"/>
+          </p:nvPr>
+        </p:nvSpPr>
+        <p:spPr/>
+        <p:txBody>
+          <a:bodyPr/>
+          <a:lstStyle/>
+          <a:p>
+            <a:fld id="{4B04BC67-DFA6-4863-89DB-B4077B3FACAF}" type="slidenum">
+              <a:rPr lang="en-US" smtClean="0"/>
+              <a:t>3</a:t>
+            </a:fld>
+            <a:endParaRPr lang="en-US"/>
+          </a:p>
+        </p:txBody>
+      </p:sp>
     </p:spTree>
     <p:extLst>
       <p:ext uri="{BB962C8B-B14F-4D97-AF65-F5344CB8AC3E}">
@@ -3917,83 +4133,6 @@
       </p:grpSpPr>
       <p:pic>
         <p:nvPicPr>
-          <p:cNvPr id="2050" name="Picture 2">
-            <a:extLst>
-              <a:ext uri="{FF2B5EF4-FFF2-40B4-BE49-F238E27FC236}">
-                <a16:creationId xmlns:a16="http://schemas.microsoft.com/office/drawing/2014/main" id="{0DFF6BE0-BBF1-A5F6-39F3-3155F3F63B38}"/>
-              </a:ext>
-            </a:extLst>
-          </p:cNvPr>
-          <p:cNvPicPr>
-            <a:picLocks noChangeAspect="1" noChangeArrowheads="1"/>
-          </p:cNvPicPr>
-          <p:nvPr/>
-        </p:nvPicPr>
-        <p:blipFill>
-          <a:blip r:embed="rId2">
-            <a:extLst>
-              <a:ext uri="{28A0092B-C50C-407E-A947-70E740481C1C}">
-                <a14:useLocalDpi xmlns:a14="http://schemas.microsoft.com/office/drawing/2010/main" val="0"/>
-              </a:ext>
-            </a:extLst>
-          </a:blip>
-          <a:srcRect/>
-          <a:stretch>
-            <a:fillRect/>
-          </a:stretch>
-        </p:blipFill>
-        <p:spPr bwMode="auto">
-          <a:xfrm>
-            <a:off x="989013" y="598291"/>
-            <a:ext cx="9822920" cy="6107949"/>
-          </a:xfrm>
-          <a:prstGeom prst="rect">
-            <a:avLst/>
-          </a:prstGeom>
-          <a:noFill/>
-          <a:extLst>
-            <a:ext uri="{909E8E84-426E-40DD-AFC4-6F175D3DCCD1}">
-              <a14:hiddenFill xmlns:a14="http://schemas.microsoft.com/office/drawing/2010/main">
-                <a:solidFill>
-                  <a:srgbClr val="FFFFFF"/>
-                </a:solidFill>
-              </a14:hiddenFill>
-            </a:ext>
-          </a:extLst>
-        </p:spPr>
-      </p:pic>
-    </p:spTree>
-    <p:extLst>
-      <p:ext uri="{BB962C8B-B14F-4D97-AF65-F5344CB8AC3E}">
-        <p14:creationId xmlns:p14="http://schemas.microsoft.com/office/powerpoint/2010/main" val="827347934"/>
-      </p:ext>
-    </p:extLst>
-  </p:cSld>
-  <p:clrMapOvr>
-    <a:masterClrMapping/>
-  </p:clrMapOvr>
-</p:sld>
-</file>
-
-<file path=ppt/slides/slide5.xml><?xml version="1.0" encoding="utf-8"?>
-<p:sld xmlns:a="http://schemas.openxmlformats.org/drawingml/2006/main" xmlns:r="http://schemas.openxmlformats.org/officeDocument/2006/relationships" xmlns:p="http://schemas.openxmlformats.org/presentationml/2006/main">
-  <p:cSld>
-    <p:spTree>
-      <p:nvGrpSpPr>
-        <p:cNvPr id="1" name=""/>
-        <p:cNvGrpSpPr/>
-        <p:nvPr/>
-      </p:nvGrpSpPr>
-      <p:grpSpPr>
-        <a:xfrm>
-          <a:off x="0" y="0"/>
-          <a:ext cx="0" cy="0"/>
-          <a:chOff x="0" y="0"/>
-          <a:chExt cx="0" cy="0"/>
-        </a:xfrm>
-      </p:grpSpPr>
-      <p:pic>
-        <p:nvPicPr>
           <p:cNvPr id="3" name="Picture 2">
             <a:extLst>
               <a:ext uri="{FF2B5EF4-FFF2-40B4-BE49-F238E27FC236}">
@@ -4022,6 +4161,35 @@
           </a:prstGeom>
         </p:spPr>
       </p:pic>
+      <p:sp>
+        <p:nvSpPr>
+          <p:cNvPr id="2" name="Slide Number Placeholder 1">
+            <a:extLst>
+              <a:ext uri="{FF2B5EF4-FFF2-40B4-BE49-F238E27FC236}">
+                <a16:creationId xmlns:a16="http://schemas.microsoft.com/office/drawing/2014/main" id="{4B6B2907-F34D-6063-A7CB-E9D92C5EE58F}"/>
+              </a:ext>
+            </a:extLst>
+          </p:cNvPr>
+          <p:cNvSpPr>
+            <a:spLocks noGrp="1"/>
+          </p:cNvSpPr>
+          <p:nvPr>
+            <p:ph type="sldNum" sz="quarter" idx="12"/>
+          </p:nvPr>
+        </p:nvSpPr>
+        <p:spPr/>
+        <p:txBody>
+          <a:bodyPr/>
+          <a:lstStyle/>
+          <a:p>
+            <a:fld id="{4B04BC67-DFA6-4863-89DB-B4077B3FACAF}" type="slidenum">
+              <a:rPr lang="en-US" smtClean="0"/>
+              <a:t>4</a:t>
+            </a:fld>
+            <a:endParaRPr lang="en-US"/>
+          </a:p>
+        </p:txBody>
+      </p:sp>
     </p:spTree>
     <p:extLst>
       <p:ext uri="{BB962C8B-B14F-4D97-AF65-F5344CB8AC3E}">
@@ -4035,7 +4203,7 @@
 </p:sld>
 </file>
 
-<file path=ppt/slides/slide6.xml><?xml version="1.0" encoding="utf-8"?>
+<file path=ppt/slides/slide5.xml><?xml version="1.0" encoding="utf-8"?>
 <p:sld xmlns:a="http://schemas.openxmlformats.org/drawingml/2006/main" xmlns:r="http://schemas.openxmlformats.org/officeDocument/2006/relationships" xmlns:p="http://schemas.openxmlformats.org/presentationml/2006/main">
   <p:cSld>
     <p:bg>
@@ -4090,10 +4258,161 @@
           </a:prstGeom>
         </p:spPr>
       </p:pic>
+      <p:sp>
+        <p:nvSpPr>
+          <p:cNvPr id="2" name="Slide Number Placeholder 1">
+            <a:extLst>
+              <a:ext uri="{FF2B5EF4-FFF2-40B4-BE49-F238E27FC236}">
+                <a16:creationId xmlns:a16="http://schemas.microsoft.com/office/drawing/2014/main" id="{82334EC7-987D-0209-1227-CC71A43284D1}"/>
+              </a:ext>
+            </a:extLst>
+          </p:cNvPr>
+          <p:cNvSpPr>
+            <a:spLocks noGrp="1"/>
+          </p:cNvSpPr>
+          <p:nvPr>
+            <p:ph type="sldNum" sz="quarter" idx="12"/>
+          </p:nvPr>
+        </p:nvSpPr>
+        <p:spPr/>
+        <p:txBody>
+          <a:bodyPr/>
+          <a:lstStyle/>
+          <a:p>
+            <a:fld id="{4B04BC67-DFA6-4863-89DB-B4077B3FACAF}" type="slidenum">
+              <a:rPr lang="en-US" smtClean="0"/>
+              <a:t>5</a:t>
+            </a:fld>
+            <a:endParaRPr lang="en-US"/>
+          </a:p>
+        </p:txBody>
+      </p:sp>
     </p:spTree>
     <p:extLst>
       <p:ext uri="{BB962C8B-B14F-4D97-AF65-F5344CB8AC3E}">
         <p14:creationId xmlns:p14="http://schemas.microsoft.com/office/powerpoint/2010/main" val="3240605633"/>
+      </p:ext>
+    </p:extLst>
+  </p:cSld>
+  <p:clrMapOvr>
+    <a:masterClrMapping/>
+  </p:clrMapOvr>
+</p:sld>
+</file>
+
+<file path=ppt/slides/slide6.xml><?xml version="1.0" encoding="utf-8"?>
+<p:sld xmlns:a="http://schemas.openxmlformats.org/drawingml/2006/main" xmlns:r="http://schemas.openxmlformats.org/officeDocument/2006/relationships" xmlns:p="http://schemas.openxmlformats.org/presentationml/2006/main">
+  <p:cSld>
+    <p:spTree>
+      <p:nvGrpSpPr>
+        <p:cNvPr id="1" name=""/>
+        <p:cNvGrpSpPr/>
+        <p:nvPr/>
+      </p:nvGrpSpPr>
+      <p:grpSpPr>
+        <a:xfrm>
+          <a:off x="0" y="0"/>
+          <a:ext cx="0" cy="0"/>
+          <a:chOff x="0" y="0"/>
+          <a:chExt cx="0" cy="0"/>
+        </a:xfrm>
+      </p:grpSpPr>
+      <p:sp>
+        <p:nvSpPr>
+          <p:cNvPr id="2" name="Title 1">
+            <a:extLst>
+              <a:ext uri="{FF2B5EF4-FFF2-40B4-BE49-F238E27FC236}">
+                <a16:creationId xmlns:a16="http://schemas.microsoft.com/office/drawing/2014/main" id="{8839E630-9867-CA04-A545-0DDCFD54C380}"/>
+              </a:ext>
+            </a:extLst>
+          </p:cNvPr>
+          <p:cNvSpPr>
+            <a:spLocks noGrp="1"/>
+          </p:cNvSpPr>
+          <p:nvPr>
+            <p:ph type="title"/>
+          </p:nvPr>
+        </p:nvSpPr>
+        <p:spPr>
+          <a:xfrm>
+            <a:off x="838200" y="49815"/>
+            <a:ext cx="10515600" cy="1325563"/>
+          </a:xfrm>
+        </p:spPr>
+        <p:txBody>
+          <a:bodyPr/>
+          <a:lstStyle/>
+          <a:p>
+            <a:pPr algn="ctr"/>
+            <a:r>
+              <a:rPr lang="en-US" dirty="0"/>
+              <a:t>Direct form I</a:t>
+            </a:r>
+          </a:p>
+        </p:txBody>
+      </p:sp>
+      <p:pic>
+        <p:nvPicPr>
+          <p:cNvPr id="7" name="Picture 6">
+            <a:extLst>
+              <a:ext uri="{FF2B5EF4-FFF2-40B4-BE49-F238E27FC236}">
+                <a16:creationId xmlns:a16="http://schemas.microsoft.com/office/drawing/2014/main" id="{ADBDD5CF-8D6E-BD51-4C50-9FDCD5699937}"/>
+              </a:ext>
+            </a:extLst>
+          </p:cNvPr>
+          <p:cNvPicPr>
+            <a:picLocks noChangeAspect="1"/>
+          </p:cNvPicPr>
+          <p:nvPr/>
+        </p:nvPicPr>
+        <p:blipFill>
+          <a:blip r:embed="rId2"/>
+          <a:srcRect l="18937" t="24380" r="14203" b="15346"/>
+          <a:stretch/>
+        </p:blipFill>
+        <p:spPr>
+          <a:xfrm>
+            <a:off x="573865" y="1791587"/>
+            <a:ext cx="6365607" cy="4312821"/>
+          </a:xfrm>
+          <a:prstGeom prst="rect">
+            <a:avLst/>
+          </a:prstGeom>
+        </p:spPr>
+      </p:pic>
+      <p:sp>
+        <p:nvSpPr>
+          <p:cNvPr id="8" name="Slide Number Placeholder 7">
+            <a:extLst>
+              <a:ext uri="{FF2B5EF4-FFF2-40B4-BE49-F238E27FC236}">
+                <a16:creationId xmlns:a16="http://schemas.microsoft.com/office/drawing/2014/main" id="{2FD47F6F-E917-C833-2518-76E63BC9FF50}"/>
+              </a:ext>
+            </a:extLst>
+          </p:cNvPr>
+          <p:cNvSpPr>
+            <a:spLocks noGrp="1"/>
+          </p:cNvSpPr>
+          <p:nvPr>
+            <p:ph type="sldNum" sz="quarter" idx="12"/>
+          </p:nvPr>
+        </p:nvSpPr>
+        <p:spPr/>
+        <p:txBody>
+          <a:bodyPr/>
+          <a:lstStyle/>
+          <a:p>
+            <a:fld id="{4B04BC67-DFA6-4863-89DB-B4077B3FACAF}" type="slidenum">
+              <a:rPr lang="en-US" smtClean="0"/>
+              <a:t>6</a:t>
+            </a:fld>
+            <a:endParaRPr lang="en-US"/>
+          </a:p>
+        </p:txBody>
+      </p:sp>
+    </p:spTree>
+    <p:extLst>
+      <p:ext uri="{BB962C8B-B14F-4D97-AF65-F5344CB8AC3E}">
+        <p14:creationId xmlns:p14="http://schemas.microsoft.com/office/powerpoint/2010/main" val="2147713105"/>
       </p:ext>
     </p:extLst>
   </p:cSld>
@@ -4125,7 +4444,7 @@
           <p:cNvPr id="3" name="Picture 2">
             <a:extLst>
               <a:ext uri="{FF2B5EF4-FFF2-40B4-BE49-F238E27FC236}">
-                <a16:creationId xmlns:a16="http://schemas.microsoft.com/office/drawing/2014/main" id="{73A2A887-3E8F-5F8E-54F2-004B7B7C3D76}"/>
+                <a16:creationId xmlns:a16="http://schemas.microsoft.com/office/drawing/2014/main" id="{EE3AB998-453A-CACF-4E34-ABF1A815D886}"/>
               </a:ext>
             </a:extLst>
           </p:cNvPr>
@@ -4142,246 +4461,111 @@
         </p:blipFill>
         <p:spPr>
           <a:xfrm>
-            <a:off x="337437" y="505729"/>
-            <a:ext cx="6674193" cy="6032810"/>
+            <a:off x="340446" y="1273413"/>
+            <a:ext cx="5505408" cy="5207819"/>
           </a:xfrm>
           <a:prstGeom prst="rect">
             <a:avLst/>
           </a:prstGeom>
         </p:spPr>
       </p:pic>
-      <p:sp>
-        <p:nvSpPr>
-          <p:cNvPr id="4" name="TextBox 3">
-            <a:extLst>
-              <a:ext uri="{FF2B5EF4-FFF2-40B4-BE49-F238E27FC236}">
-                <a16:creationId xmlns:a16="http://schemas.microsoft.com/office/drawing/2014/main" id="{EAEFFE61-CE74-E5D7-6FA7-18102DAD5565}"/>
-              </a:ext>
-            </a:extLst>
-          </p:cNvPr>
-          <p:cNvSpPr txBox="1"/>
+      <p:pic>
+        <p:nvPicPr>
+          <p:cNvPr id="5" name="Picture 4">
+            <a:extLst>
+              <a:ext uri="{FF2B5EF4-FFF2-40B4-BE49-F238E27FC236}">
+                <a16:creationId xmlns:a16="http://schemas.microsoft.com/office/drawing/2014/main" id="{054904B2-915E-0816-6254-FD042D48DF57}"/>
+              </a:ext>
+            </a:extLst>
+          </p:cNvPr>
+          <p:cNvPicPr>
+            <a:picLocks noChangeAspect="1"/>
+          </p:cNvPicPr>
           <p:nvPr/>
-        </p:nvSpPr>
+        </p:nvPicPr>
+        <p:blipFill>
+          <a:blip r:embed="rId3"/>
+          <a:stretch>
+            <a:fillRect/>
+          </a:stretch>
+        </p:blipFill>
         <p:spPr>
           <a:xfrm>
-            <a:off x="7281333" y="296333"/>
-            <a:ext cx="4699000" cy="1200329"/>
+            <a:off x="6628341" y="1093033"/>
+            <a:ext cx="4865499" cy="5388199"/>
           </a:xfrm>
           <a:prstGeom prst="rect">
             <a:avLst/>
           </a:prstGeom>
-          <a:noFill/>
         </p:spPr>
-        <p:txBody>
-          <a:bodyPr wrap="square" rtlCol="0">
-            <a:spAutoFit/>
-          </a:bodyPr>
+      </p:pic>
+      <p:sp>
+        <p:nvSpPr>
+          <p:cNvPr id="2" name="Title 1">
+            <a:extLst>
+              <a:ext uri="{FF2B5EF4-FFF2-40B4-BE49-F238E27FC236}">
+                <a16:creationId xmlns:a16="http://schemas.microsoft.com/office/drawing/2014/main" id="{2EBE7094-7A10-0756-C334-5F16338D9575}"/>
+              </a:ext>
+            </a:extLst>
+          </p:cNvPr>
+          <p:cNvSpPr>
+            <a:spLocks noGrp="1"/>
+          </p:cNvSpPr>
+          <p:nvPr>
+            <p:ph type="title"/>
+          </p:nvPr>
+        </p:nvSpPr>
+        <p:spPr>
+          <a:xfrm>
+            <a:off x="838200" y="68733"/>
+            <a:ext cx="10515600" cy="1325563"/>
+          </a:xfrm>
+        </p:spPr>
+        <p:txBody>
+          <a:bodyPr/>
           <a:lstStyle/>
           <a:p>
-            <a:r>
-              <a:rPr lang="en-US" dirty="0">
-                <a:latin typeface="Times New Roman" panose="02020603050405020304" pitchFamily="18" charset="0"/>
-                <a:cs typeface="Times New Roman" panose="02020603050405020304" pitchFamily="18" charset="0"/>
-              </a:rPr>
-              <a:t>Men </a:t>
-            </a:r>
-            <a:r>
-              <a:rPr lang="en-US" dirty="0" err="1">
-                <a:latin typeface="Times New Roman" panose="02020603050405020304" pitchFamily="18" charset="0"/>
-                <a:cs typeface="Times New Roman" panose="02020603050405020304" pitchFamily="18" charset="0"/>
-              </a:rPr>
-              <a:t>findes</a:t>
-            </a:r>
-            <a:r>
-              <a:rPr lang="en-US" dirty="0">
-                <a:latin typeface="Times New Roman" panose="02020603050405020304" pitchFamily="18" charset="0"/>
-                <a:cs typeface="Times New Roman" panose="02020603050405020304" pitchFamily="18" charset="0"/>
-              </a:rPr>
-              <a:t> der </a:t>
-            </a:r>
-            <a:r>
-              <a:rPr lang="en-US" dirty="0" err="1">
-                <a:latin typeface="Times New Roman" panose="02020603050405020304" pitchFamily="18" charset="0"/>
-                <a:cs typeface="Times New Roman" panose="02020603050405020304" pitchFamily="18" charset="0"/>
-              </a:rPr>
-              <a:t>en</a:t>
-            </a:r>
-            <a:r>
-              <a:rPr lang="en-US" dirty="0">
-                <a:latin typeface="Times New Roman" panose="02020603050405020304" pitchFamily="18" charset="0"/>
-                <a:cs typeface="Times New Roman" panose="02020603050405020304" pitchFamily="18" charset="0"/>
-              </a:rPr>
-              <a:t> </a:t>
-            </a:r>
-            <a:r>
-              <a:rPr lang="en-US" dirty="0" err="1">
-                <a:latin typeface="Times New Roman" panose="02020603050405020304" pitchFamily="18" charset="0"/>
-                <a:cs typeface="Times New Roman" panose="02020603050405020304" pitchFamily="18" charset="0"/>
-              </a:rPr>
-              <a:t>måde</a:t>
-            </a:r>
-            <a:r>
-              <a:rPr lang="en-US" dirty="0">
-                <a:latin typeface="Times New Roman" panose="02020603050405020304" pitchFamily="18" charset="0"/>
-                <a:cs typeface="Times New Roman" panose="02020603050405020304" pitchFamily="18" charset="0"/>
-              </a:rPr>
-              <a:t> </a:t>
-            </a:r>
-            <a:r>
-              <a:rPr lang="en-US" dirty="0" err="1">
-                <a:latin typeface="Times New Roman" panose="02020603050405020304" pitchFamily="18" charset="0"/>
-                <a:cs typeface="Times New Roman" panose="02020603050405020304" pitchFamily="18" charset="0"/>
-              </a:rPr>
-              <a:t>hvor</a:t>
-            </a:r>
-            <a:r>
-              <a:rPr lang="en-US" dirty="0">
-                <a:latin typeface="Times New Roman" panose="02020603050405020304" pitchFamily="18" charset="0"/>
-                <a:cs typeface="Times New Roman" panose="02020603050405020304" pitchFamily="18" charset="0"/>
-              </a:rPr>
-              <a:t> </a:t>
-            </a:r>
-            <a:r>
-              <a:rPr lang="en-US" dirty="0" err="1">
-                <a:latin typeface="Times New Roman" panose="02020603050405020304" pitchFamily="18" charset="0"/>
-                <a:cs typeface="Times New Roman" panose="02020603050405020304" pitchFamily="18" charset="0"/>
-              </a:rPr>
-              <a:t>på</a:t>
-            </a:r>
-            <a:r>
-              <a:rPr lang="en-US" dirty="0">
-                <a:latin typeface="Times New Roman" panose="02020603050405020304" pitchFamily="18" charset="0"/>
-                <a:cs typeface="Times New Roman" panose="02020603050405020304" pitchFamily="18" charset="0"/>
-              </a:rPr>
-              <a:t> vi </a:t>
-            </a:r>
-            <a:r>
-              <a:rPr lang="en-US" dirty="0" err="1">
-                <a:latin typeface="Times New Roman" panose="02020603050405020304" pitchFamily="18" charset="0"/>
-                <a:cs typeface="Times New Roman" panose="02020603050405020304" pitchFamily="18" charset="0"/>
-              </a:rPr>
-              <a:t>kan</a:t>
-            </a:r>
-            <a:r>
-              <a:rPr lang="en-US" dirty="0">
-                <a:latin typeface="Times New Roman" panose="02020603050405020304" pitchFamily="18" charset="0"/>
-                <a:cs typeface="Times New Roman" panose="02020603050405020304" pitchFamily="18" charset="0"/>
-              </a:rPr>
-              <a:t> </a:t>
-            </a:r>
-            <a:r>
-              <a:rPr lang="en-US" dirty="0" err="1">
-                <a:latin typeface="Times New Roman" panose="02020603050405020304" pitchFamily="18" charset="0"/>
-                <a:cs typeface="Times New Roman" panose="02020603050405020304" pitchFamily="18" charset="0"/>
-              </a:rPr>
-              <a:t>formindske</a:t>
-            </a:r>
-            <a:r>
-              <a:rPr lang="en-US" dirty="0">
-                <a:latin typeface="Times New Roman" panose="02020603050405020304" pitchFamily="18" charset="0"/>
-                <a:cs typeface="Times New Roman" panose="02020603050405020304" pitchFamily="18" charset="0"/>
-              </a:rPr>
-              <a:t> </a:t>
-            </a:r>
-            <a:r>
-              <a:rPr lang="en-US" dirty="0" err="1">
-                <a:latin typeface="Times New Roman" panose="02020603050405020304" pitchFamily="18" charset="0"/>
-                <a:cs typeface="Times New Roman" panose="02020603050405020304" pitchFamily="18" charset="0"/>
-              </a:rPr>
-              <a:t>antalet</a:t>
-            </a:r>
-            <a:r>
-              <a:rPr lang="en-US" dirty="0">
-                <a:latin typeface="Times New Roman" panose="02020603050405020304" pitchFamily="18" charset="0"/>
-                <a:cs typeface="Times New Roman" panose="02020603050405020304" pitchFamily="18" charset="0"/>
-              </a:rPr>
-              <a:t> </a:t>
-            </a:r>
-            <a:r>
-              <a:rPr lang="en-US" dirty="0" err="1">
-                <a:latin typeface="Times New Roman" panose="02020603050405020304" pitchFamily="18" charset="0"/>
-                <a:cs typeface="Times New Roman" panose="02020603050405020304" pitchFamily="18" charset="0"/>
-              </a:rPr>
-              <a:t>af</a:t>
-            </a:r>
-            <a:r>
-              <a:rPr lang="en-US" dirty="0">
-                <a:latin typeface="Times New Roman" panose="02020603050405020304" pitchFamily="18" charset="0"/>
-                <a:cs typeface="Times New Roman" panose="02020603050405020304" pitchFamily="18" charset="0"/>
-              </a:rPr>
-              <a:t> </a:t>
-            </a:r>
-            <a:r>
-              <a:rPr lang="en-US" dirty="0" err="1">
-                <a:latin typeface="Times New Roman" panose="02020603050405020304" pitchFamily="18" charset="0"/>
-                <a:cs typeface="Times New Roman" panose="02020603050405020304" pitchFamily="18" charset="0"/>
-              </a:rPr>
-              <a:t>komponenter</a:t>
-            </a:r>
-            <a:r>
-              <a:rPr lang="en-US" dirty="0">
-                <a:latin typeface="Times New Roman" panose="02020603050405020304" pitchFamily="18" charset="0"/>
-                <a:cs typeface="Times New Roman" panose="02020603050405020304" pitchFamily="18" charset="0"/>
-              </a:rPr>
-              <a:t>?</a:t>
-            </a:r>
-          </a:p>
-          <a:p>
-            <a:endParaRPr lang="en-US" dirty="0">
-              <a:latin typeface="Times New Roman" panose="02020603050405020304" pitchFamily="18" charset="0"/>
-              <a:cs typeface="Times New Roman" panose="02020603050405020304" pitchFamily="18" charset="0"/>
-            </a:endParaRPr>
-          </a:p>
-          <a:p>
-            <a:r>
-              <a:rPr lang="en-US" dirty="0" err="1">
-                <a:latin typeface="Times New Roman" panose="02020603050405020304" pitchFamily="18" charset="0"/>
-                <a:cs typeface="Times New Roman" panose="02020603050405020304" pitchFamily="18" charset="0"/>
-              </a:rPr>
-              <a:t>Gå</a:t>
-            </a:r>
-            <a:r>
-              <a:rPr lang="en-US" dirty="0">
-                <a:latin typeface="Times New Roman" panose="02020603050405020304" pitchFamily="18" charset="0"/>
-                <a:cs typeface="Times New Roman" panose="02020603050405020304" pitchFamily="18" charset="0"/>
-              </a:rPr>
-              <a:t> </a:t>
-            </a:r>
-            <a:r>
-              <a:rPr lang="en-US" dirty="0" err="1">
-                <a:latin typeface="Times New Roman" panose="02020603050405020304" pitchFamily="18" charset="0"/>
-                <a:cs typeface="Times New Roman" panose="02020603050405020304" pitchFamily="18" charset="0"/>
-              </a:rPr>
-              <a:t>fra</a:t>
-            </a:r>
-            <a:r>
-              <a:rPr lang="en-US" dirty="0">
-                <a:latin typeface="Times New Roman" panose="02020603050405020304" pitchFamily="18" charset="0"/>
-                <a:cs typeface="Times New Roman" panose="02020603050405020304" pitchFamily="18" charset="0"/>
-              </a:rPr>
-              <a:t> DF1 </a:t>
-            </a:r>
-            <a:r>
-              <a:rPr lang="en-US" dirty="0" err="1">
-                <a:latin typeface="Times New Roman" panose="02020603050405020304" pitchFamily="18" charset="0"/>
-                <a:cs typeface="Times New Roman" panose="02020603050405020304" pitchFamily="18" charset="0"/>
-              </a:rPr>
-              <a:t>til</a:t>
-            </a:r>
-            <a:r>
-              <a:rPr lang="en-US" dirty="0">
-                <a:latin typeface="Times New Roman" panose="02020603050405020304" pitchFamily="18" charset="0"/>
-                <a:cs typeface="Times New Roman" panose="02020603050405020304" pitchFamily="18" charset="0"/>
-              </a:rPr>
-              <a:t> DF2 </a:t>
-            </a:r>
+            <a:pPr algn="ctr"/>
+            <a:r>
+              <a:rPr lang="en-US" dirty="0"/>
+              <a:t>Direct form II</a:t>
+            </a:r>
+          </a:p>
+        </p:txBody>
+      </p:sp>
+      <p:sp>
+        <p:nvSpPr>
+          <p:cNvPr id="4" name="Slide Number Placeholder 3">
+            <a:extLst>
+              <a:ext uri="{FF2B5EF4-FFF2-40B4-BE49-F238E27FC236}">
+                <a16:creationId xmlns:a16="http://schemas.microsoft.com/office/drawing/2014/main" id="{28872E42-7476-37C4-B6E2-CB1FB660AECA}"/>
+              </a:ext>
+            </a:extLst>
+          </p:cNvPr>
+          <p:cNvSpPr>
+            <a:spLocks noGrp="1"/>
+          </p:cNvSpPr>
+          <p:nvPr>
+            <p:ph type="sldNum" sz="quarter" idx="12"/>
+          </p:nvPr>
+        </p:nvSpPr>
+        <p:spPr/>
+        <p:txBody>
+          <a:bodyPr/>
+          <a:lstStyle/>
+          <a:p>
+            <a:fld id="{4B04BC67-DFA6-4863-89DB-B4077B3FACAF}" type="slidenum">
+              <a:rPr lang="en-US" smtClean="0"/>
+              <a:t>7</a:t>
+            </a:fld>
+            <a:endParaRPr lang="en-US"/>
           </a:p>
         </p:txBody>
       </p:sp>
     </p:spTree>
     <p:extLst>
       <p:ext uri="{BB962C8B-B14F-4D97-AF65-F5344CB8AC3E}">
-        <p14:creationId xmlns:p14="http://schemas.microsoft.com/office/powerpoint/2010/main" val="2147713105"/>
+        <p14:creationId xmlns:p14="http://schemas.microsoft.com/office/powerpoint/2010/main" val="4212214685"/>
       </p:ext>
     </p:extLst>
   </p:cSld>
@@ -4410,68 +4594,84 @@
       </p:grpSpPr>
       <p:pic>
         <p:nvPicPr>
-          <p:cNvPr id="3" name="Picture 2">
-            <a:extLst>
-              <a:ext uri="{FF2B5EF4-FFF2-40B4-BE49-F238E27FC236}">
-                <a16:creationId xmlns:a16="http://schemas.microsoft.com/office/drawing/2014/main" id="{EE3AB998-453A-CACF-4E34-ABF1A815D886}"/>
+          <p:cNvPr id="2050" name="Picture 2">
+            <a:extLst>
+              <a:ext uri="{FF2B5EF4-FFF2-40B4-BE49-F238E27FC236}">
+                <a16:creationId xmlns:a16="http://schemas.microsoft.com/office/drawing/2014/main" id="{0DFF6BE0-BBF1-A5F6-39F3-3155F3F63B38}"/>
               </a:ext>
             </a:extLst>
           </p:cNvPr>
           <p:cNvPicPr>
-            <a:picLocks noChangeAspect="1"/>
+            <a:picLocks noChangeAspect="1" noChangeArrowheads="1"/>
           </p:cNvPicPr>
           <p:nvPr/>
         </p:nvPicPr>
         <p:blipFill>
-          <a:blip r:embed="rId2"/>
+          <a:blip r:embed="rId2">
+            <a:extLst>
+              <a:ext uri="{28A0092B-C50C-407E-A947-70E740481C1C}">
+                <a14:useLocalDpi xmlns:a14="http://schemas.microsoft.com/office/drawing/2010/main" val="0"/>
+              </a:ext>
+            </a:extLst>
+          </a:blip>
+          <a:srcRect/>
           <a:stretch>
             <a:fillRect/>
           </a:stretch>
         </p:blipFill>
-        <p:spPr>
+        <p:spPr bwMode="auto">
           <a:xfrm>
-            <a:off x="540659" y="721382"/>
-            <a:ext cx="5724676" cy="5415235"/>
+            <a:off x="989013" y="598291"/>
+            <a:ext cx="9822920" cy="6107949"/>
           </a:xfrm>
           <a:prstGeom prst="rect">
             <a:avLst/>
           </a:prstGeom>
+          <a:noFill/>
+          <a:extLst>
+            <a:ext uri="{909E8E84-426E-40DD-AFC4-6F175D3DCCD1}">
+              <a14:hiddenFill xmlns:a14="http://schemas.microsoft.com/office/drawing/2010/main">
+                <a:solidFill>
+                  <a:srgbClr val="FFFFFF"/>
+                </a:solidFill>
+              </a14:hiddenFill>
+            </a:ext>
+          </a:extLst>
         </p:spPr>
       </p:pic>
-      <p:pic>
-        <p:nvPicPr>
-          <p:cNvPr id="5" name="Picture 4">
-            <a:extLst>
-              <a:ext uri="{FF2B5EF4-FFF2-40B4-BE49-F238E27FC236}">
-                <a16:creationId xmlns:a16="http://schemas.microsoft.com/office/drawing/2014/main" id="{054904B2-915E-0816-6254-FD042D48DF57}"/>
-              </a:ext>
-            </a:extLst>
-          </p:cNvPr>
-          <p:cNvPicPr>
-            <a:picLocks noChangeAspect="1"/>
-          </p:cNvPicPr>
-          <p:nvPr/>
-        </p:nvPicPr>
-        <p:blipFill>
-          <a:blip r:embed="rId3"/>
-          <a:stretch>
-            <a:fillRect/>
-          </a:stretch>
-        </p:blipFill>
-        <p:spPr>
-          <a:xfrm>
-            <a:off x="6628341" y="575733"/>
-            <a:ext cx="5332618" cy="5905500"/>
-          </a:xfrm>
-          <a:prstGeom prst="rect">
-            <a:avLst/>
-          </a:prstGeom>
-        </p:spPr>
-      </p:pic>
+      <p:sp>
+        <p:nvSpPr>
+          <p:cNvPr id="2" name="Slide Number Placeholder 1">
+            <a:extLst>
+              <a:ext uri="{FF2B5EF4-FFF2-40B4-BE49-F238E27FC236}">
+                <a16:creationId xmlns:a16="http://schemas.microsoft.com/office/drawing/2014/main" id="{4D51CD8C-A8C3-4AA0-90E7-429F8D5733BE}"/>
+              </a:ext>
+            </a:extLst>
+          </p:cNvPr>
+          <p:cNvSpPr>
+            <a:spLocks noGrp="1"/>
+          </p:cNvSpPr>
+          <p:nvPr>
+            <p:ph type="sldNum" sz="quarter" idx="12"/>
+          </p:nvPr>
+        </p:nvSpPr>
+        <p:spPr/>
+        <p:txBody>
+          <a:bodyPr/>
+          <a:lstStyle/>
+          <a:p>
+            <a:fld id="{4B04BC67-DFA6-4863-89DB-B4077B3FACAF}" type="slidenum">
+              <a:rPr lang="en-US" smtClean="0"/>
+              <a:t>8</a:t>
+            </a:fld>
+            <a:endParaRPr lang="en-US"/>
+          </a:p>
+        </p:txBody>
+      </p:sp>
     </p:spTree>
     <p:extLst>
       <p:ext uri="{BB962C8B-B14F-4D97-AF65-F5344CB8AC3E}">
-        <p14:creationId xmlns:p14="http://schemas.microsoft.com/office/powerpoint/2010/main" val="4212214685"/>
+        <p14:creationId xmlns:p14="http://schemas.microsoft.com/office/powerpoint/2010/main" val="827347934"/>
       </p:ext>
     </p:extLst>
   </p:cSld>
@@ -4520,7 +4720,7 @@
         </p:blipFill>
         <p:spPr>
           <a:xfrm>
-            <a:off x="2325389" y="0"/>
+            <a:off x="0" y="0"/>
             <a:ext cx="7541221" cy="6858000"/>
           </a:xfrm>
           <a:prstGeom prst="rect">
@@ -4528,6 +4728,35 @@
           </a:prstGeom>
         </p:spPr>
       </p:pic>
+      <p:sp>
+        <p:nvSpPr>
+          <p:cNvPr id="2" name="Slide Number Placeholder 1">
+            <a:extLst>
+              <a:ext uri="{FF2B5EF4-FFF2-40B4-BE49-F238E27FC236}">
+                <a16:creationId xmlns:a16="http://schemas.microsoft.com/office/drawing/2014/main" id="{B8C0D20D-7BB3-A677-9ED2-98C25B4C6B7F}"/>
+              </a:ext>
+            </a:extLst>
+          </p:cNvPr>
+          <p:cNvSpPr>
+            <a:spLocks noGrp="1"/>
+          </p:cNvSpPr>
+          <p:nvPr>
+            <p:ph type="sldNum" sz="quarter" idx="12"/>
+          </p:nvPr>
+        </p:nvSpPr>
+        <p:spPr/>
+        <p:txBody>
+          <a:bodyPr/>
+          <a:lstStyle/>
+          <a:p>
+            <a:fld id="{4B04BC67-DFA6-4863-89DB-B4077B3FACAF}" type="slidenum">
+              <a:rPr lang="en-US" smtClean="0"/>
+              <a:t>9</a:t>
+            </a:fld>
+            <a:endParaRPr lang="en-US"/>
+          </a:p>
+        </p:txBody>
+      </p:sp>
     </p:spTree>
     <p:extLst>
       <p:ext uri="{BB962C8B-B14F-4D97-AF65-F5344CB8AC3E}">
